--- a/Project 1 - Python/PowerPoint/Presentation_Final.pptx
+++ b/Project 1 - Python/PowerPoint/Presentation_Final.pptx
@@ -35,28 +35,28 @@
   <p:notesSz cx="6858000" cy="9144000"/>
   <p:embeddedFontLst>
     <p:embeddedFont>
-      <p:font typeface="Calibri" panose="020F0502020204030204" pitchFamily="34" charset="0"/>
+      <p:font typeface="Poppins" panose="020B0604020202020204" charset="0"/>
       <p:regular r:id="rId25"/>
       <p:bold r:id="rId26"/>
       <p:italic r:id="rId27"/>
       <p:boldItalic r:id="rId28"/>
     </p:embeddedFont>
     <p:embeddedFont>
-      <p:font typeface="Montserrat" panose="020B0604020202020204" charset="0"/>
+      <p:font typeface="Montserrat Light" panose="020B0604020202020204" charset="0"/>
       <p:regular r:id="rId29"/>
       <p:bold r:id="rId30"/>
       <p:italic r:id="rId31"/>
       <p:boldItalic r:id="rId32"/>
     </p:embeddedFont>
     <p:embeddedFont>
-      <p:font typeface="Montserrat Light" panose="020B0604020202020204" charset="0"/>
+      <p:font typeface="Montserrat" panose="020B0604020202020204" charset="0"/>
       <p:regular r:id="rId33"/>
       <p:bold r:id="rId34"/>
       <p:italic r:id="rId35"/>
       <p:boldItalic r:id="rId36"/>
     </p:embeddedFont>
     <p:embeddedFont>
-      <p:font typeface="Poppins" panose="020B0604020202020204" charset="0"/>
+      <p:font typeface="Calibri" panose="020F0502020204030204" pitchFamily="34" charset="0"/>
       <p:regular r:id="rId37"/>
       <p:bold r:id="rId38"/>
       <p:italic r:id="rId39"/>
@@ -8654,7 +8654,7 @@
         </p:nvSpPr>
         <p:spPr>
           <a:xfrm>
-            <a:off x="2027622" y="1953315"/>
+            <a:off x="3885451" y="153544"/>
             <a:ext cx="5073300" cy="1159800"/>
           </a:xfrm>
           <a:prstGeom prst="rect">
@@ -8688,11 +8688,338 @@
           </a:p>
         </p:txBody>
       </p:sp>
+      <p:sp>
+        <p:nvSpPr>
+          <p:cNvPr id="3" name="Google Shape;326;p14"/>
+          <p:cNvSpPr txBox="1">
+            <a:spLocks/>
+          </p:cNvSpPr>
+          <p:nvPr/>
+        </p:nvSpPr>
+        <p:spPr>
+          <a:xfrm>
+            <a:off x="152063" y="1742774"/>
+            <a:ext cx="7975938" cy="3046940"/>
+          </a:xfrm>
+          <a:prstGeom prst="rect">
+            <a:avLst/>
+          </a:prstGeom>
+          <a:noFill/>
+          <a:ln>
+            <a:noFill/>
+          </a:ln>
+        </p:spPr>
+        <p:txBody>
+          <a:bodyPr spcFirstLastPara="1" wrap="square" lIns="0" tIns="0" rIns="0" bIns="0" anchor="t" anchorCtr="0">
+            <a:noAutofit/>
+          </a:bodyPr>
+          <a:lstStyle>
+            <a:defPPr marR="0" lvl="0" algn="l" rtl="0">
+              <a:lnSpc>
+                <a:spcPct val="100000"/>
+              </a:lnSpc>
+              <a:spcBef>
+                <a:spcPts val="0"/>
+              </a:spcBef>
+              <a:spcAft>
+                <a:spcPts val="0"/>
+              </a:spcAft>
+            </a:defPPr>
+            <a:lvl1pPr marL="457200" marR="0" lvl="0" indent="-355600" algn="l" rtl="0">
+              <a:lnSpc>
+                <a:spcPct val="120000"/>
+              </a:lnSpc>
+              <a:spcBef>
+                <a:spcPts val="600"/>
+              </a:spcBef>
+              <a:spcAft>
+                <a:spcPts val="0"/>
+              </a:spcAft>
+              <a:buClr>
+                <a:schemeClr val="accent6"/>
+              </a:buClr>
+              <a:buSzPts val="2000"/>
+              <a:buFont typeface="Montserrat Light"/>
+              <a:buChar char="❑"/>
+              <a:defRPr sz="2000" b="0" i="0" u="none" strike="noStrike" cap="none">
+                <a:solidFill>
+                  <a:schemeClr val="dk1"/>
+                </a:solidFill>
+                <a:latin typeface="Montserrat Light"/>
+                <a:ea typeface="Montserrat Light"/>
+                <a:cs typeface="Montserrat Light"/>
+                <a:sym typeface="Montserrat Light"/>
+              </a:defRPr>
+            </a:lvl1pPr>
+            <a:lvl2pPr marL="914400" marR="0" lvl="1" indent="-355600" algn="l" rtl="0">
+              <a:lnSpc>
+                <a:spcPct val="120000"/>
+              </a:lnSpc>
+              <a:spcBef>
+                <a:spcPts val="600"/>
+              </a:spcBef>
+              <a:spcAft>
+                <a:spcPts val="0"/>
+              </a:spcAft>
+              <a:buClr>
+                <a:schemeClr val="accent6"/>
+              </a:buClr>
+              <a:buSzPts val="2000"/>
+              <a:buFont typeface="Montserrat Light"/>
+              <a:buChar char="❏"/>
+              <a:defRPr sz="2000" b="0" i="0" u="none" strike="noStrike" cap="none">
+                <a:solidFill>
+                  <a:schemeClr val="dk1"/>
+                </a:solidFill>
+                <a:latin typeface="Montserrat Light"/>
+                <a:ea typeface="Montserrat Light"/>
+                <a:cs typeface="Montserrat Light"/>
+                <a:sym typeface="Montserrat Light"/>
+              </a:defRPr>
+            </a:lvl2pPr>
+            <a:lvl3pPr marL="1371600" marR="0" lvl="2" indent="-355600" algn="l" rtl="0">
+              <a:lnSpc>
+                <a:spcPct val="120000"/>
+              </a:lnSpc>
+              <a:spcBef>
+                <a:spcPts val="600"/>
+              </a:spcBef>
+              <a:spcAft>
+                <a:spcPts val="0"/>
+              </a:spcAft>
+              <a:buClr>
+                <a:schemeClr val="accent6"/>
+              </a:buClr>
+              <a:buSzPts val="2000"/>
+              <a:buFont typeface="Montserrat Light"/>
+              <a:buChar char="❏"/>
+              <a:defRPr sz="2000" b="0" i="0" u="none" strike="noStrike" cap="none">
+                <a:solidFill>
+                  <a:schemeClr val="dk1"/>
+                </a:solidFill>
+                <a:latin typeface="Montserrat Light"/>
+                <a:ea typeface="Montserrat Light"/>
+                <a:cs typeface="Montserrat Light"/>
+                <a:sym typeface="Montserrat Light"/>
+              </a:defRPr>
+            </a:lvl3pPr>
+            <a:lvl4pPr marL="1828800" marR="0" lvl="3" indent="-355600" algn="l" rtl="0">
+              <a:lnSpc>
+                <a:spcPct val="120000"/>
+              </a:lnSpc>
+              <a:spcBef>
+                <a:spcPts val="600"/>
+              </a:spcBef>
+              <a:spcAft>
+                <a:spcPts val="0"/>
+              </a:spcAft>
+              <a:buClr>
+                <a:schemeClr val="accent6"/>
+              </a:buClr>
+              <a:buSzPts val="2000"/>
+              <a:buFont typeface="Montserrat Light"/>
+              <a:buChar char="❏"/>
+              <a:defRPr sz="2000" b="0" i="0" u="none" strike="noStrike" cap="none">
+                <a:solidFill>
+                  <a:schemeClr val="dk1"/>
+                </a:solidFill>
+                <a:latin typeface="Montserrat Light"/>
+                <a:ea typeface="Montserrat Light"/>
+                <a:cs typeface="Montserrat Light"/>
+                <a:sym typeface="Montserrat Light"/>
+              </a:defRPr>
+            </a:lvl4pPr>
+            <a:lvl5pPr marL="2286000" marR="0" lvl="4" indent="-355600" algn="l" rtl="0">
+              <a:lnSpc>
+                <a:spcPct val="120000"/>
+              </a:lnSpc>
+              <a:spcBef>
+                <a:spcPts val="600"/>
+              </a:spcBef>
+              <a:spcAft>
+                <a:spcPts val="0"/>
+              </a:spcAft>
+              <a:buClr>
+                <a:schemeClr val="accent6"/>
+              </a:buClr>
+              <a:buSzPts val="2000"/>
+              <a:buFont typeface="Montserrat Light"/>
+              <a:buChar char="❏"/>
+              <a:defRPr sz="2000" b="0" i="0" u="none" strike="noStrike" cap="none">
+                <a:solidFill>
+                  <a:schemeClr val="dk1"/>
+                </a:solidFill>
+                <a:latin typeface="Montserrat Light"/>
+                <a:ea typeface="Montserrat Light"/>
+                <a:cs typeface="Montserrat Light"/>
+                <a:sym typeface="Montserrat Light"/>
+              </a:defRPr>
+            </a:lvl5pPr>
+            <a:lvl6pPr marL="2743200" marR="0" lvl="5" indent="-355600" algn="l" rtl="0">
+              <a:lnSpc>
+                <a:spcPct val="120000"/>
+              </a:lnSpc>
+              <a:spcBef>
+                <a:spcPts val="600"/>
+              </a:spcBef>
+              <a:spcAft>
+                <a:spcPts val="0"/>
+              </a:spcAft>
+              <a:buClr>
+                <a:schemeClr val="accent6"/>
+              </a:buClr>
+              <a:buSzPts val="2000"/>
+              <a:buFont typeface="Montserrat Light"/>
+              <a:buChar char="❏"/>
+              <a:defRPr sz="2000" b="0" i="0" u="none" strike="noStrike" cap="none">
+                <a:solidFill>
+                  <a:schemeClr val="dk1"/>
+                </a:solidFill>
+                <a:latin typeface="Montserrat Light"/>
+                <a:ea typeface="Montserrat Light"/>
+                <a:cs typeface="Montserrat Light"/>
+                <a:sym typeface="Montserrat Light"/>
+              </a:defRPr>
+            </a:lvl6pPr>
+            <a:lvl7pPr marL="3200400" marR="0" lvl="6" indent="-355600" algn="l" rtl="0">
+              <a:lnSpc>
+                <a:spcPct val="120000"/>
+              </a:lnSpc>
+              <a:spcBef>
+                <a:spcPts val="600"/>
+              </a:spcBef>
+              <a:spcAft>
+                <a:spcPts val="0"/>
+              </a:spcAft>
+              <a:buClr>
+                <a:schemeClr val="accent6"/>
+              </a:buClr>
+              <a:buSzPts val="2000"/>
+              <a:buFont typeface="Montserrat Light"/>
+              <a:buChar char="❏"/>
+              <a:defRPr sz="2000" b="0" i="0" u="none" strike="noStrike" cap="none">
+                <a:solidFill>
+                  <a:schemeClr val="dk1"/>
+                </a:solidFill>
+                <a:latin typeface="Montserrat Light"/>
+                <a:ea typeface="Montserrat Light"/>
+                <a:cs typeface="Montserrat Light"/>
+                <a:sym typeface="Montserrat Light"/>
+              </a:defRPr>
+            </a:lvl7pPr>
+            <a:lvl8pPr marL="3657600" marR="0" lvl="7" indent="-355600" algn="l" rtl="0">
+              <a:lnSpc>
+                <a:spcPct val="120000"/>
+              </a:lnSpc>
+              <a:spcBef>
+                <a:spcPts val="600"/>
+              </a:spcBef>
+              <a:spcAft>
+                <a:spcPts val="0"/>
+              </a:spcAft>
+              <a:buClr>
+                <a:schemeClr val="accent6"/>
+              </a:buClr>
+              <a:buSzPts val="2000"/>
+              <a:buFont typeface="Montserrat Light"/>
+              <a:buChar char="❏"/>
+              <a:defRPr sz="2000" b="0" i="0" u="none" strike="noStrike" cap="none">
+                <a:solidFill>
+                  <a:schemeClr val="dk1"/>
+                </a:solidFill>
+                <a:latin typeface="Montserrat Light"/>
+                <a:ea typeface="Montserrat Light"/>
+                <a:cs typeface="Montserrat Light"/>
+                <a:sym typeface="Montserrat Light"/>
+              </a:defRPr>
+            </a:lvl8pPr>
+            <a:lvl9pPr marL="4114800" marR="0" lvl="8" indent="-355600" algn="l" rtl="0">
+              <a:lnSpc>
+                <a:spcPct val="120000"/>
+              </a:lnSpc>
+              <a:spcBef>
+                <a:spcPts val="600"/>
+              </a:spcBef>
+              <a:spcAft>
+                <a:spcPts val="0"/>
+              </a:spcAft>
+              <a:buClr>
+                <a:schemeClr val="accent6"/>
+              </a:buClr>
+              <a:buSzPts val="2000"/>
+              <a:buFont typeface="Montserrat Light"/>
+              <a:buChar char="❏"/>
+              <a:defRPr sz="2000" b="0" i="0" u="none" strike="noStrike" cap="none">
+                <a:solidFill>
+                  <a:schemeClr val="dk1"/>
+                </a:solidFill>
+                <a:latin typeface="Montserrat Light"/>
+                <a:ea typeface="Montserrat Light"/>
+                <a:cs typeface="Montserrat Light"/>
+                <a:sym typeface="Montserrat Light"/>
+              </a:defRPr>
+            </a:lvl9pPr>
+          </a:lstStyle>
+          <a:p>
+            <a:pPr marL="101600" indent="0">
+              <a:buNone/>
+            </a:pPr>
+            <a:r>
+              <a:rPr lang="en-US" b="1" dirty="0"/>
+              <a:t>Hypothesis: </a:t>
+            </a:r>
+            <a:r>
+              <a:rPr lang="en-US" dirty="0"/>
+              <a:t>Life Expectancy of different countries is affected by variables such as: Pollution (CO2 emissions), GDP/person, % below Poverty line, Crime Index of the country, Healthcare Index of the country and Child Deaths per </a:t>
+            </a:r>
+            <a:r>
+              <a:rPr lang="en-US" dirty="0" smtClean="0"/>
+              <a:t>1000.</a:t>
+            </a:r>
+            <a:endParaRPr lang="en-US" dirty="0"/>
+          </a:p>
+          <a:p>
+            <a:pPr marL="0" indent="0">
+              <a:buClr>
+                <a:schemeClr val="dk1"/>
+              </a:buClr>
+              <a:buSzPts val="1100"/>
+              <a:buFont typeface="Arial"/>
+              <a:buNone/>
+            </a:pPr>
+            <a:endParaRPr lang="en-US" dirty="0"/>
+          </a:p>
+          <a:p>
+            <a:pPr marL="101600" indent="0">
+              <a:buNone/>
+            </a:pPr>
+            <a:r>
+              <a:rPr lang="en-US" b="1" dirty="0" smtClean="0"/>
+              <a:t>Null </a:t>
+            </a:r>
+            <a:r>
+              <a:rPr lang="en-US" b="1" dirty="0"/>
+              <a:t>Hypothesis: </a:t>
+            </a:r>
+            <a:r>
+              <a:rPr lang="en-US" dirty="0"/>
+              <a:t>There is no correlation between Life  Expectancy and each independent variable.  </a:t>
+            </a:r>
+          </a:p>
+        </p:txBody>
+      </p:sp>
     </p:spTree>
   </p:cSld>
   <p:clrMapOvr>
     <a:masterClrMapping/>
   </p:clrMapOvr>
+  <p:timing>
+    <p:tnLst>
+      <p:par>
+        <p:cTn id="1" dur="indefinite" restart="never" nodeType="tmRoot"/>
+      </p:par>
+    </p:tnLst>
+  </p:timing>
 </p:sld>
 </file>
 
@@ -8846,6 +9173,13 @@
   <p:clrMapOvr>
     <a:masterClrMapping/>
   </p:clrMapOvr>
+  <p:timing>
+    <p:tnLst>
+      <p:par>
+        <p:cTn id="1" dur="indefinite" restart="never" nodeType="tmRoot"/>
+      </p:par>
+    </p:tnLst>
+  </p:timing>
 </p:sld>
 </file>
 
@@ -9555,6 +9889,13 @@
   <p:clrMapOvr>
     <a:masterClrMapping/>
   </p:clrMapOvr>
+  <p:timing>
+    <p:tnLst>
+      <p:par>
+        <p:cTn id="1" dur="indefinite" restart="never" nodeType="tmRoot"/>
+      </p:par>
+    </p:tnLst>
+  </p:timing>
 </p:sld>
 </file>
 
@@ -9708,6 +10049,13 @@
   <p:clrMapOvr>
     <a:masterClrMapping/>
   </p:clrMapOvr>
+  <p:timing>
+    <p:tnLst>
+      <p:par>
+        <p:cTn id="1" dur="indefinite" restart="never" nodeType="tmRoot"/>
+      </p:par>
+    </p:tnLst>
+  </p:timing>
 </p:sld>
 </file>
 
@@ -10417,6 +10765,13 @@
   <p:clrMapOvr>
     <a:masterClrMapping/>
   </p:clrMapOvr>
+  <p:timing>
+    <p:tnLst>
+      <p:par>
+        <p:cTn id="1" dur="indefinite" restart="never" nodeType="tmRoot"/>
+      </p:par>
+    </p:tnLst>
+  </p:timing>
 </p:sld>
 </file>
 
@@ -10570,6 +10925,13 @@
   <p:clrMapOvr>
     <a:masterClrMapping/>
   </p:clrMapOvr>
+  <p:timing>
+    <p:tnLst>
+      <p:par>
+        <p:cTn id="1" dur="indefinite" restart="never" nodeType="tmRoot"/>
+      </p:par>
+    </p:tnLst>
+  </p:timing>
 </p:sld>
 </file>
 
@@ -11281,6 +11643,13 @@
   <p:clrMapOvr>
     <a:masterClrMapping/>
   </p:clrMapOvr>
+  <p:timing>
+    <p:tnLst>
+      <p:par>
+        <p:cTn id="1" dur="indefinite" restart="never" nodeType="tmRoot"/>
+      </p:par>
+    </p:tnLst>
+  </p:timing>
 </p:sld>
 </file>
 
@@ -11434,6 +11803,13 @@
   <p:clrMapOvr>
     <a:masterClrMapping/>
   </p:clrMapOvr>
+  <p:timing>
+    <p:tnLst>
+      <p:par>
+        <p:cTn id="1" dur="indefinite" restart="never" nodeType="tmRoot"/>
+      </p:par>
+    </p:tnLst>
+  </p:timing>
 </p:sld>
 </file>
 
@@ -12143,6 +12519,13 @@
   <p:clrMapOvr>
     <a:masterClrMapping/>
   </p:clrMapOvr>
+  <p:timing>
+    <p:tnLst>
+      <p:par>
+        <p:cTn id="1" dur="indefinite" restart="never" nodeType="tmRoot"/>
+      </p:par>
+    </p:tnLst>
+  </p:timing>
 </p:sld>
 </file>
 
@@ -12305,6 +12688,13 @@
   <p:clrMapOvr>
     <a:masterClrMapping/>
   </p:clrMapOvr>
+  <p:timing>
+    <p:tnLst>
+      <p:par>
+        <p:cTn id="1" dur="indefinite" restart="never" nodeType="tmRoot"/>
+      </p:par>
+    </p:tnLst>
+  </p:timing>
 </p:sld>
 </file>
 
@@ -13010,6 +13400,13 @@
   <p:clrMapOvr>
     <a:masterClrMapping/>
   </p:clrMapOvr>
+  <p:timing>
+    <p:tnLst>
+      <p:par>
+        <p:cTn id="1" dur="indefinite" restart="never" nodeType="tmRoot"/>
+      </p:par>
+    </p:tnLst>
+  </p:timing>
 </p:sld>
 </file>
 
@@ -13278,6 +13675,13 @@
   <p:clrMapOvr>
     <a:masterClrMapping/>
   </p:clrMapOvr>
+  <p:timing>
+    <p:tnLst>
+      <p:par>
+        <p:cTn id="1" dur="indefinite" restart="never" nodeType="tmRoot"/>
+      </p:par>
+    </p:tnLst>
+  </p:timing>
 </p:sld>
 </file>
 
@@ -13339,6 +13743,10 @@
             <a:br>
               <a:rPr lang="en-US" dirty="0"/>
             </a:br>
+            <a:r>
+              <a:rPr lang="en-US" dirty="0"/>
+              <a:t/>
+            </a:r>
             <a:br>
               <a:rPr lang="en-US" dirty="0"/>
             </a:br>
@@ -15042,6 +15450,13 @@
   <p:clrMapOvr>
     <a:masterClrMapping/>
   </p:clrMapOvr>
+  <p:timing>
+    <p:tnLst>
+      <p:par>
+        <p:cTn id="1" dur="indefinite" restart="never" nodeType="tmRoot"/>
+      </p:par>
+    </p:tnLst>
+  </p:timing>
 </p:sld>
 </file>
 
@@ -15087,7 +15502,7 @@
         </p:nvSpPr>
         <p:spPr>
           <a:xfrm>
-            <a:off x="657225" y="1220930"/>
+            <a:off x="657225" y="858073"/>
             <a:ext cx="7966168" cy="868174"/>
           </a:xfrm>
           <a:prstGeom prst="rect">
@@ -15197,7 +15612,7 @@
         <p:spPr>
           <a:xfrm>
             <a:off x="657225" y="2089104"/>
-            <a:ext cx="7659143" cy="1631216"/>
+            <a:ext cx="7659143" cy="2862322"/>
           </a:xfrm>
           <a:prstGeom prst="rect">
             <a:avLst/>
@@ -15289,9 +15704,28 @@
               <a:buFont typeface="Wingdings" panose="05000000000000000000" pitchFamily="2" charset="2"/>
               <a:buChar char="q"/>
             </a:pPr>
-            <a:endParaRPr lang="en-US" sz="2000" b="1" dirty="0">
+            <a:endParaRPr lang="en-US" sz="2000" b="1" dirty="0" smtClean="0">
               <a:latin typeface="Poppins" panose="020B0604020202020204" charset="0"/>
               <a:cs typeface="Poppins" panose="020B0604020202020204" charset="0"/>
+            </a:endParaRPr>
+          </a:p>
+          <a:p>
+            <a:r>
+              <a:rPr lang="en-US" sz="2000" b="1" dirty="0">
+                <a:solidFill>
+                  <a:srgbClr val="FFFFFF"/>
+                </a:solidFill>
+                <a:latin typeface="Poppins"/>
+                <a:cs typeface="Poppins"/>
+              </a:rPr>
+              <a:t>CONCLUSION: Based on our data and the variables chosen, we can reject the Null Hypothesis and accept the Hypothesis that there is a strong correlation between the Dependent and Independent variables. </a:t>
+            </a:r>
+            <a:endParaRPr lang="en-US" sz="2000" b="1" dirty="0">
+              <a:solidFill>
+                <a:srgbClr val="FFFFFF"/>
+              </a:solidFill>
+              <a:latin typeface="Poppins"/>
+              <a:cs typeface="Poppins"/>
             </a:endParaRPr>
           </a:p>
         </p:txBody>
@@ -15301,6 +15735,13 @@
   <p:clrMapOvr>
     <a:masterClrMapping/>
   </p:clrMapOvr>
+  <p:timing>
+    <p:tnLst>
+      <p:par>
+        <p:cTn id="1" dur="indefinite" restart="never" nodeType="tmRoot"/>
+      </p:par>
+    </p:tnLst>
+  </p:timing>
 </p:sld>
 </file>
 
@@ -15470,6 +15911,13 @@
   <p:clrMapOvr>
     <a:masterClrMapping/>
   </p:clrMapOvr>
+  <p:timing>
+    <p:tnLst>
+      <p:par>
+        <p:cTn id="1" dur="indefinite" restart="never" nodeType="tmRoot"/>
+      </p:par>
+    </p:tnLst>
+  </p:timing>
 </p:sld>
 </file>
 
@@ -15712,6 +16160,13 @@
   <p:clrMapOvr>
     <a:masterClrMapping/>
   </p:clrMapOvr>
+  <p:timing>
+    <p:tnLst>
+      <p:par>
+        <p:cTn id="1" dur="indefinite" restart="never" nodeType="tmRoot"/>
+      </p:par>
+    </p:tnLst>
+  </p:timing>
 </p:sld>
 </file>
 
@@ -15866,6 +16321,13 @@
   <p:clrMapOvr>
     <a:masterClrMapping/>
   </p:clrMapOvr>
+  <p:timing>
+    <p:tnLst>
+      <p:par>
+        <p:cTn id="1" dur="indefinite" restart="never" nodeType="tmRoot"/>
+      </p:par>
+    </p:tnLst>
+  </p:timing>
 </p:sld>
 </file>
 
@@ -16581,6 +17043,13 @@
   <p:clrMapOvr>
     <a:masterClrMapping/>
   </p:clrMapOvr>
+  <p:timing>
+    <p:tnLst>
+      <p:par>
+        <p:cTn id="1" dur="indefinite" restart="never" nodeType="tmRoot"/>
+      </p:par>
+    </p:tnLst>
+  </p:timing>
 </p:sld>
 </file>
 
@@ -16734,6 +17203,13 @@
   <p:clrMapOvr>
     <a:masterClrMapping/>
   </p:clrMapOvr>
+  <p:timing>
+    <p:tnLst>
+      <p:par>
+        <p:cTn id="1" dur="indefinite" restart="never" nodeType="tmRoot"/>
+      </p:par>
+    </p:tnLst>
+  </p:timing>
 </p:sld>
 </file>
 
@@ -17445,6 +17921,13 @@
   <p:clrMapOvr>
     <a:masterClrMapping/>
   </p:clrMapOvr>
+  <p:timing>
+    <p:tnLst>
+      <p:par>
+        <p:cTn id="1" dur="indefinite" restart="never" nodeType="tmRoot"/>
+      </p:par>
+    </p:tnLst>
+  </p:timing>
 </p:sld>
 </file>
 
@@ -17603,6 +18086,13 @@
   <p:clrMapOvr>
     <a:masterClrMapping/>
   </p:clrMapOvr>
+  <p:timing>
+    <p:tnLst>
+      <p:par>
+        <p:cTn id="1" dur="indefinite" restart="never" nodeType="tmRoot"/>
+      </p:par>
+    </p:tnLst>
+  </p:timing>
 </p:sld>
 </file>
 
@@ -18317,6 +18807,13 @@
   <p:clrMapOvr>
     <a:masterClrMapping/>
   </p:clrMapOvr>
+  <p:timing>
+    <p:tnLst>
+      <p:par>
+        <p:cTn id="1" dur="indefinite" restart="never" nodeType="tmRoot"/>
+      </p:par>
+    </p:tnLst>
+  </p:timing>
 </p:sld>
 </file>
 
